--- a/Documentation/Architecture.pptx
+++ b/Documentation/Architecture.pptx
@@ -258,7 +258,7 @@
           <a:p>
             <a:fld id="{7BED9514-DD5E-415A-9175-E126F2F45945}" type="datetimeFigureOut">
               <a:rPr lang="en-US" smtClean="0"/>
-              <a:t>9/23/2016</a:t>
+              <a:t>11/20/2016</a:t>
             </a:fld>
             <a:endParaRPr lang="en-US"/>
           </a:p>
@@ -426,7 +426,7 @@
           <a:p>
             <a:fld id="{7BED9514-DD5E-415A-9175-E126F2F45945}" type="datetimeFigureOut">
               <a:rPr lang="en-US" smtClean="0"/>
-              <a:t>9/23/2016</a:t>
+              <a:t>11/20/2016</a:t>
             </a:fld>
             <a:endParaRPr lang="en-US"/>
           </a:p>
@@ -604,7 +604,7 @@
           <a:p>
             <a:fld id="{7BED9514-DD5E-415A-9175-E126F2F45945}" type="datetimeFigureOut">
               <a:rPr lang="en-US" smtClean="0"/>
-              <a:t>9/23/2016</a:t>
+              <a:t>11/20/2016</a:t>
             </a:fld>
             <a:endParaRPr lang="en-US"/>
           </a:p>
@@ -772,7 +772,7 @@
           <a:p>
             <a:fld id="{7BED9514-DD5E-415A-9175-E126F2F45945}" type="datetimeFigureOut">
               <a:rPr lang="en-US" smtClean="0"/>
-              <a:t>9/23/2016</a:t>
+              <a:t>11/20/2016</a:t>
             </a:fld>
             <a:endParaRPr lang="en-US"/>
           </a:p>
@@ -1017,7 +1017,7 @@
           <a:p>
             <a:fld id="{7BED9514-DD5E-415A-9175-E126F2F45945}" type="datetimeFigureOut">
               <a:rPr lang="en-US" smtClean="0"/>
-              <a:t>9/23/2016</a:t>
+              <a:t>11/20/2016</a:t>
             </a:fld>
             <a:endParaRPr lang="en-US"/>
           </a:p>
@@ -1246,7 +1246,7 @@
           <a:p>
             <a:fld id="{7BED9514-DD5E-415A-9175-E126F2F45945}" type="datetimeFigureOut">
               <a:rPr lang="en-US" smtClean="0"/>
-              <a:t>9/23/2016</a:t>
+              <a:t>11/20/2016</a:t>
             </a:fld>
             <a:endParaRPr lang="en-US"/>
           </a:p>
@@ -1610,7 +1610,7 @@
           <a:p>
             <a:fld id="{7BED9514-DD5E-415A-9175-E126F2F45945}" type="datetimeFigureOut">
               <a:rPr lang="en-US" smtClean="0"/>
-              <a:t>9/23/2016</a:t>
+              <a:t>11/20/2016</a:t>
             </a:fld>
             <a:endParaRPr lang="en-US"/>
           </a:p>
@@ -1727,7 +1727,7 @@
           <a:p>
             <a:fld id="{7BED9514-DD5E-415A-9175-E126F2F45945}" type="datetimeFigureOut">
               <a:rPr lang="en-US" smtClean="0"/>
-              <a:t>9/23/2016</a:t>
+              <a:t>11/20/2016</a:t>
             </a:fld>
             <a:endParaRPr lang="en-US"/>
           </a:p>
@@ -1822,7 +1822,7 @@
           <a:p>
             <a:fld id="{7BED9514-DD5E-415A-9175-E126F2F45945}" type="datetimeFigureOut">
               <a:rPr lang="en-US" smtClean="0"/>
-              <a:t>9/23/2016</a:t>
+              <a:t>11/20/2016</a:t>
             </a:fld>
             <a:endParaRPr lang="en-US"/>
           </a:p>
@@ -2097,7 +2097,7 @@
           <a:p>
             <a:fld id="{7BED9514-DD5E-415A-9175-E126F2F45945}" type="datetimeFigureOut">
               <a:rPr lang="en-US" smtClean="0"/>
-              <a:t>9/23/2016</a:t>
+              <a:t>11/20/2016</a:t>
             </a:fld>
             <a:endParaRPr lang="en-US"/>
           </a:p>
@@ -2349,7 +2349,7 @@
           <a:p>
             <a:fld id="{7BED9514-DD5E-415A-9175-E126F2F45945}" type="datetimeFigureOut">
               <a:rPr lang="en-US" smtClean="0"/>
-              <a:t>9/23/2016</a:t>
+              <a:t>11/20/2016</a:t>
             </a:fld>
             <a:endParaRPr lang="en-US"/>
           </a:p>
@@ -2560,7 +2560,7 @@
           <a:p>
             <a:fld id="{7BED9514-DD5E-415A-9175-E126F2F45945}" type="datetimeFigureOut">
               <a:rPr lang="en-US" smtClean="0"/>
-              <a:t>9/23/2016</a:t>
+              <a:t>11/20/2016</a:t>
             </a:fld>
             <a:endParaRPr lang="en-US"/>
           </a:p>
@@ -3363,9 +3363,115 @@
           </p:spPr>
         </p:pic>
       </p:grpSp>
+      <p:cxnSp>
+        <p:nvCxnSpPr>
+          <p:cNvPr id="21" name="Elbow Connector 20"/>
+          <p:cNvCxnSpPr>
+            <a:stCxn id="10" idx="3"/>
+          </p:cNvCxnSpPr>
+          <p:nvPr/>
+        </p:nvCxnSpPr>
+        <p:spPr>
+          <a:xfrm flipV="1">
+            <a:off x="3296992" y="1288304"/>
+            <a:ext cx="1450711" cy="811426"/>
+          </a:xfrm>
+          <a:prstGeom prst="bentConnector3">
+            <a:avLst/>
+          </a:prstGeom>
+          <a:ln w="25400">
+            <a:tailEnd type="triangle"/>
+          </a:ln>
+        </p:spPr>
+        <p:style>
+          <a:lnRef idx="1">
+            <a:schemeClr val="accent1"/>
+          </a:lnRef>
+          <a:fillRef idx="0">
+            <a:schemeClr val="accent1"/>
+          </a:fillRef>
+          <a:effectRef idx="0">
+            <a:schemeClr val="accent1"/>
+          </a:effectRef>
+          <a:fontRef idx="minor">
+            <a:schemeClr val="tx1"/>
+          </a:fontRef>
+        </p:style>
+      </p:cxnSp>
+      <p:cxnSp>
+        <p:nvCxnSpPr>
+          <p:cNvPr id="23" name="Elbow Connector 22"/>
+          <p:cNvCxnSpPr>
+            <a:stCxn id="10" idx="3"/>
+            <a:endCxn id="12" idx="1"/>
+          </p:cNvCxnSpPr>
+          <p:nvPr/>
+        </p:nvCxnSpPr>
+        <p:spPr>
+          <a:xfrm>
+            <a:off x="3296992" y="2099730"/>
+            <a:ext cx="1454190" cy="701907"/>
+          </a:xfrm>
+          <a:prstGeom prst="bentConnector3">
+            <a:avLst/>
+          </a:prstGeom>
+          <a:ln w="25400">
+            <a:tailEnd type="triangle"/>
+          </a:ln>
+        </p:spPr>
+        <p:style>
+          <a:lnRef idx="1">
+            <a:schemeClr val="accent1"/>
+          </a:lnRef>
+          <a:fillRef idx="0">
+            <a:schemeClr val="accent1"/>
+          </a:fillRef>
+          <a:effectRef idx="0">
+            <a:schemeClr val="accent1"/>
+          </a:effectRef>
+          <a:fontRef idx="minor">
+            <a:schemeClr val="tx1"/>
+          </a:fontRef>
+        </p:style>
+      </p:cxnSp>
+      <p:cxnSp>
+        <p:nvCxnSpPr>
+          <p:cNvPr id="25" name="Elbow Connector 24"/>
+          <p:cNvCxnSpPr>
+            <a:stCxn id="7" idx="3"/>
+          </p:cNvCxnSpPr>
+          <p:nvPr/>
+        </p:nvCxnSpPr>
+        <p:spPr>
+          <a:xfrm>
+            <a:off x="6673148" y="1381419"/>
+            <a:ext cx="1452248" cy="411581"/>
+          </a:xfrm>
+          <a:prstGeom prst="bentConnector2">
+            <a:avLst/>
+          </a:prstGeom>
+          <a:ln w="25400">
+            <a:tailEnd type="triangle"/>
+          </a:ln>
+        </p:spPr>
+        <p:style>
+          <a:lnRef idx="1">
+            <a:schemeClr val="accent1"/>
+          </a:lnRef>
+          <a:fillRef idx="0">
+            <a:schemeClr val="accent1"/>
+          </a:fillRef>
+          <a:effectRef idx="0">
+            <a:schemeClr val="accent1"/>
+          </a:effectRef>
+          <a:fontRef idx="minor">
+            <a:schemeClr val="tx1"/>
+          </a:fontRef>
+        </p:style>
+      </p:cxnSp>
       <p:pic>
         <p:nvPicPr>
-          <p:cNvPr id="9" name="Picture 8"/>
+          <p:cNvPr id="31" name="Picture 30"/>
           <p:cNvPicPr>
             <a:picLocks noChangeAspect="1"/>
           </p:cNvPicPr>
@@ -3385,8 +3491,8 @@
         </p:blipFill>
         <p:spPr>
           <a:xfrm>
-            <a:off x="7291988" y="1793000"/>
-            <a:ext cx="1666815" cy="540313"/>
+            <a:off x="7541419" y="3889672"/>
+            <a:ext cx="1167953" cy="1167953"/>
           </a:xfrm>
           <a:prstGeom prst="rect">
             <a:avLst/>
@@ -3395,18 +3501,18 @@
       </p:pic>
       <p:cxnSp>
         <p:nvCxnSpPr>
-          <p:cNvPr id="21" name="Elbow Connector 20"/>
+          <p:cNvPr id="35" name="Straight Arrow Connector 34"/>
           <p:cNvCxnSpPr>
-            <a:stCxn id="10" idx="3"/>
+            <a:endCxn id="31" idx="0"/>
           </p:cNvCxnSpPr>
           <p:nvPr/>
         </p:nvCxnSpPr>
         <p:spPr>
-          <a:xfrm flipV="1">
-            <a:off x="3296992" y="1288304"/>
-            <a:ext cx="1450711" cy="811426"/>
-          </a:xfrm>
-          <a:prstGeom prst="bentConnector3">
+          <a:xfrm>
+            <a:off x="8125396" y="2333313"/>
+            <a:ext cx="0" cy="1556359"/>
+          </a:xfrm>
+          <a:prstGeom prst="straightConnector1">
             <a:avLst/>
           </a:prstGeom>
           <a:ln w="25400">
@@ -3430,19 +3536,18 @@
       </p:cxnSp>
       <p:cxnSp>
         <p:nvCxnSpPr>
-          <p:cNvPr id="23" name="Elbow Connector 22"/>
+          <p:cNvPr id="37" name="Straight Arrow Connector 36"/>
           <p:cNvCxnSpPr>
-            <a:stCxn id="10" idx="3"/>
-            <a:endCxn id="12" idx="1"/>
+            <a:stCxn id="31" idx="1"/>
           </p:cNvCxnSpPr>
           <p:nvPr/>
         </p:nvCxnSpPr>
         <p:spPr>
-          <a:xfrm>
-            <a:off x="3296992" y="2099730"/>
-            <a:ext cx="1454190" cy="701907"/>
-          </a:xfrm>
-          <a:prstGeom prst="bentConnector3">
+          <a:xfrm flipH="1" flipV="1">
+            <a:off x="5879468" y="4473648"/>
+            <a:ext cx="1661951" cy="1"/>
+          </a:xfrm>
+          <a:prstGeom prst="straightConnector1">
             <a:avLst/>
           </a:prstGeom>
           <a:ln w="25400">
@@ -3466,19 +3571,19 @@
       </p:cxnSp>
       <p:cxnSp>
         <p:nvCxnSpPr>
-          <p:cNvPr id="25" name="Elbow Connector 24"/>
+          <p:cNvPr id="41" name="Elbow Connector 40"/>
           <p:cNvCxnSpPr>
-            <a:stCxn id="7" idx="3"/>
-            <a:endCxn id="9" idx="0"/>
+            <a:stCxn id="4" idx="3"/>
+            <a:endCxn id="10" idx="1"/>
           </p:cNvCxnSpPr>
           <p:nvPr/>
         </p:nvCxnSpPr>
         <p:spPr>
           <a:xfrm>
-            <a:off x="6673148" y="1381419"/>
-            <a:ext cx="1452248" cy="411581"/>
-          </a:xfrm>
-          <a:prstGeom prst="bentConnector2">
+            <a:off x="1023757" y="1708819"/>
+            <a:ext cx="908074" cy="390911"/>
+          </a:xfrm>
+          <a:prstGeom prst="bentConnector3">
             <a:avLst/>
           </a:prstGeom>
           <a:ln w="25400">
@@ -3502,49 +3607,19 @@
       </p:cxnSp>
       <p:cxnSp>
         <p:nvCxnSpPr>
-          <p:cNvPr id="27" name="Straight Arrow Connector 26"/>
-          <p:cNvCxnSpPr/>
+          <p:cNvPr id="43" name="Elbow Connector 42"/>
+          <p:cNvCxnSpPr>
+            <a:stCxn id="5" idx="3"/>
+            <a:endCxn id="10" idx="1"/>
+          </p:cNvCxnSpPr>
           <p:nvPr/>
         </p:nvCxnSpPr>
         <p:spPr>
           <a:xfrm flipV="1">
-            <a:off x="5852160" y="1664481"/>
-            <a:ext cx="0" cy="703751"/>
-          </a:xfrm>
-          <a:prstGeom prst="straightConnector1">
-            <a:avLst/>
-          </a:prstGeom>
-          <a:ln w="25400">
-            <a:tailEnd type="triangle"/>
-          </a:ln>
-        </p:spPr>
-        <p:style>
-          <a:lnRef idx="1">
-            <a:schemeClr val="accent1"/>
-          </a:lnRef>
-          <a:fillRef idx="0">
-            <a:schemeClr val="accent1"/>
-          </a:fillRef>
-          <a:effectRef idx="0">
-            <a:schemeClr val="accent1"/>
-          </a:effectRef>
-          <a:fontRef idx="minor">
-            <a:schemeClr val="tx1"/>
-          </a:fontRef>
-        </p:style>
-      </p:cxnSp>
-      <p:cxnSp>
-        <p:nvCxnSpPr>
-          <p:cNvPr id="29" name="Straight Arrow Connector 28"/>
-          <p:cNvCxnSpPr/>
-          <p:nvPr/>
-        </p:nvCxnSpPr>
-        <p:spPr>
-          <a:xfrm>
-            <a:off x="5247249" y="1664481"/>
-            <a:ext cx="14068" cy="730731"/>
-          </a:xfrm>
-          <a:prstGeom prst="straightConnector1">
+            <a:off x="1014159" y="2099730"/>
+            <a:ext cx="917672" cy="488945"/>
+          </a:xfrm>
+          <a:prstGeom prst="bentConnector3">
             <a:avLst/>
           </a:prstGeom>
           <a:ln w="25400">
@@ -3568,7 +3643,7 @@
       </p:cxnSp>
       <p:pic>
         <p:nvPicPr>
-          <p:cNvPr id="31" name="Picture 30"/>
+          <p:cNvPr id="44" name="Picture 43"/>
           <p:cNvPicPr>
             <a:picLocks noChangeAspect="1"/>
           </p:cNvPicPr>
@@ -3588,8 +3663,8 @@
         </p:blipFill>
         <p:spPr>
           <a:xfrm>
-            <a:off x="7541419" y="3889672"/>
-            <a:ext cx="1167953" cy="1167953"/>
+            <a:off x="6658689" y="43724"/>
+            <a:ext cx="868271" cy="783562"/>
           </a:xfrm>
           <a:prstGeom prst="rect">
             <a:avLst/>
@@ -3598,22 +3673,23 @@
       </p:pic>
       <p:cxnSp>
         <p:nvCxnSpPr>
-          <p:cNvPr id="35" name="Straight Arrow Connector 34"/>
+          <p:cNvPr id="46" name="Elbow Connector 45"/>
           <p:cNvCxnSpPr>
-            <a:stCxn id="9" idx="2"/>
-            <a:endCxn id="31" idx="0"/>
+            <a:stCxn id="11" idx="0"/>
+            <a:endCxn id="44" idx="1"/>
           </p:cNvCxnSpPr>
           <p:nvPr/>
         </p:nvCxnSpPr>
         <p:spPr>
-          <a:xfrm>
-            <a:off x="8125396" y="2333313"/>
-            <a:ext cx="0" cy="1556359"/>
-          </a:xfrm>
-          <a:prstGeom prst="straightConnector1">
+          <a:xfrm rot="5400000" flipH="1" flipV="1">
+            <a:off x="5904856" y="158295"/>
+            <a:ext cx="476622" cy="1031043"/>
+          </a:xfrm>
+          <a:prstGeom prst="bentConnector2">
             <a:avLst/>
           </a:prstGeom>
           <a:ln w="25400">
+            <a:headEnd type="triangle"/>
             <a:tailEnd type="triangle"/>
           </a:ln>
         </p:spPr>
@@ -3632,116 +3708,247 @@
           </a:fontRef>
         </p:style>
       </p:cxnSp>
-      <p:cxnSp>
-        <p:nvCxnSpPr>
-          <p:cNvPr id="37" name="Straight Arrow Connector 36"/>
-          <p:cNvCxnSpPr>
-            <a:stCxn id="31" idx="1"/>
-          </p:cNvCxnSpPr>
-          <p:nvPr/>
-        </p:nvCxnSpPr>
-        <p:spPr>
-          <a:xfrm flipH="1" flipV="1">
-            <a:off x="5879468" y="4473648"/>
-            <a:ext cx="1661951" cy="1"/>
-          </a:xfrm>
-          <a:prstGeom prst="straightConnector1">
-            <a:avLst/>
-          </a:prstGeom>
-          <a:ln w="25400">
-            <a:tailEnd type="triangle"/>
-          </a:ln>
-        </p:spPr>
-        <p:style>
-          <a:lnRef idx="1">
-            <a:schemeClr val="accent1"/>
-          </a:lnRef>
-          <a:fillRef idx="0">
-            <a:schemeClr val="accent1"/>
-          </a:fillRef>
-          <a:effectRef idx="0">
-            <a:schemeClr val="accent1"/>
-          </a:effectRef>
-          <a:fontRef idx="minor">
-            <a:schemeClr val="tx1"/>
-          </a:fontRef>
-        </p:style>
-      </p:cxnSp>
-      <p:cxnSp>
-        <p:nvCxnSpPr>
-          <p:cNvPr id="41" name="Elbow Connector 40"/>
-          <p:cNvCxnSpPr>
-            <a:stCxn id="4" idx="3"/>
-            <a:endCxn id="10" idx="1"/>
-          </p:cNvCxnSpPr>
-          <p:nvPr/>
-        </p:nvCxnSpPr>
-        <p:spPr>
-          <a:xfrm>
-            <a:off x="1023757" y="1708819"/>
-            <a:ext cx="908074" cy="390911"/>
-          </a:xfrm>
-          <a:prstGeom prst="bentConnector3">
-            <a:avLst/>
-          </a:prstGeom>
-          <a:ln w="25400">
-            <a:tailEnd type="triangle"/>
-          </a:ln>
-        </p:spPr>
-        <p:style>
-          <a:lnRef idx="1">
-            <a:schemeClr val="accent1"/>
-          </a:lnRef>
-          <a:fillRef idx="0">
-            <a:schemeClr val="accent1"/>
-          </a:fillRef>
-          <a:effectRef idx="0">
-            <a:schemeClr val="accent1"/>
-          </a:effectRef>
-          <a:fontRef idx="minor">
-            <a:schemeClr val="tx1"/>
-          </a:fontRef>
-        </p:style>
-      </p:cxnSp>
-      <p:cxnSp>
-        <p:nvCxnSpPr>
-          <p:cNvPr id="43" name="Elbow Connector 42"/>
-          <p:cNvCxnSpPr>
-            <a:stCxn id="5" idx="3"/>
-            <a:endCxn id="10" idx="1"/>
-          </p:cNvCxnSpPr>
-          <p:nvPr/>
-        </p:nvCxnSpPr>
-        <p:spPr>
-          <a:xfrm flipV="1">
-            <a:off x="1014159" y="2099730"/>
-            <a:ext cx="917672" cy="488945"/>
-          </a:xfrm>
-          <a:prstGeom prst="bentConnector3">
-            <a:avLst/>
-          </a:prstGeom>
-          <a:ln w="25400">
-            <a:tailEnd type="triangle"/>
-          </a:ln>
-        </p:spPr>
-        <p:style>
-          <a:lnRef idx="1">
-            <a:schemeClr val="accent1"/>
-          </a:lnRef>
-          <a:fillRef idx="0">
-            <a:schemeClr val="accent1"/>
-          </a:fillRef>
-          <a:effectRef idx="0">
-            <a:schemeClr val="accent1"/>
-          </a:effectRef>
-          <a:fontRef idx="minor">
-            <a:schemeClr val="tx1"/>
-          </a:fontRef>
-        </p:style>
-      </p:cxnSp>
+      <p:sp>
+        <p:nvSpPr>
+          <p:cNvPr id="47" name="TextBox 46"/>
+          <p:cNvSpPr txBox="1"/>
+          <p:nvPr/>
+        </p:nvSpPr>
+        <p:spPr>
+          <a:xfrm>
+            <a:off x="270058" y="974753"/>
+            <a:ext cx="1466171" cy="276999"/>
+          </a:xfrm>
+          <a:prstGeom prst="rect">
+            <a:avLst/>
+          </a:prstGeom>
+          <a:noFill/>
+        </p:spPr>
+        <p:txBody>
+          <a:bodyPr wrap="none" rtlCol="0">
+            <a:spAutoFit/>
+          </a:bodyPr>
+          <a:lstStyle/>
+          <a:p>
+            <a:r>
+              <a:rPr lang="en-US" sz="1200" dirty="0"/>
+              <a:t>Input video Features</a:t>
+            </a:r>
+          </a:p>
+        </p:txBody>
+      </p:sp>
+      <p:sp>
+        <p:nvSpPr>
+          <p:cNvPr id="48" name="TextBox 47"/>
+          <p:cNvSpPr txBox="1"/>
+          <p:nvPr/>
+        </p:nvSpPr>
+        <p:spPr>
+          <a:xfrm>
+            <a:off x="1863339" y="1396878"/>
+            <a:ext cx="1556452" cy="276999"/>
+          </a:xfrm>
+          <a:prstGeom prst="rect">
+            <a:avLst/>
+          </a:prstGeom>
+          <a:noFill/>
+        </p:spPr>
+        <p:txBody>
+          <a:bodyPr wrap="none" rtlCol="0">
+            <a:spAutoFit/>
+          </a:bodyPr>
+          <a:lstStyle/>
+          <a:p>
+            <a:r>
+              <a:rPr lang="en-US" sz="1200" dirty="0"/>
+              <a:t>Kafka Message Broker</a:t>
+            </a:r>
+          </a:p>
+        </p:txBody>
+      </p:sp>
+      <p:sp>
+        <p:nvSpPr>
+          <p:cNvPr id="49" name="TextBox 48"/>
+          <p:cNvSpPr txBox="1"/>
+          <p:nvPr/>
+        </p:nvSpPr>
+        <p:spPr>
+          <a:xfrm>
+            <a:off x="4723391" y="421642"/>
+            <a:ext cx="1808508" cy="461665"/>
+          </a:xfrm>
+          <a:prstGeom prst="rect">
+            <a:avLst/>
+          </a:prstGeom>
+          <a:noFill/>
+        </p:spPr>
+        <p:txBody>
+          <a:bodyPr wrap="none" rtlCol="0">
+            <a:spAutoFit/>
+          </a:bodyPr>
+          <a:lstStyle/>
+          <a:p>
+            <a:pPr algn="ctr"/>
+            <a:r>
+              <a:rPr lang="en-US" sz="1200" dirty="0"/>
+              <a:t>Generation of Model</a:t>
+            </a:r>
+          </a:p>
+          <a:p>
+            <a:pPr algn="ctr"/>
+            <a:r>
+              <a:rPr lang="en-US" sz="1200" dirty="0"/>
+              <a:t>using Apache Spark </a:t>
+            </a:r>
+            <a:r>
+              <a:rPr lang="en-US" sz="1200" dirty="0" err="1"/>
+              <a:t>MLLib</a:t>
+            </a:r>
+            <a:endParaRPr lang="en-US" sz="1200" dirty="0"/>
+          </a:p>
+        </p:txBody>
+      </p:sp>
+      <p:sp>
+        <p:nvSpPr>
+          <p:cNvPr id="51" name="TextBox 50"/>
+          <p:cNvSpPr txBox="1"/>
+          <p:nvPr/>
+        </p:nvSpPr>
+        <p:spPr>
+          <a:xfrm>
+            <a:off x="4500072" y="1829443"/>
+            <a:ext cx="1987275" cy="461665"/>
+          </a:xfrm>
+          <a:prstGeom prst="rect">
+            <a:avLst/>
+          </a:prstGeom>
+          <a:noFill/>
+        </p:spPr>
+        <p:txBody>
+          <a:bodyPr wrap="none" rtlCol="0">
+            <a:spAutoFit/>
+          </a:bodyPr>
+          <a:lstStyle/>
+          <a:p>
+            <a:pPr algn="ctr"/>
+            <a:r>
+              <a:rPr lang="en-US" sz="1200" dirty="0"/>
+              <a:t>Person identification and </a:t>
+            </a:r>
+          </a:p>
+          <a:p>
+            <a:pPr algn="ctr"/>
+            <a:r>
+              <a:rPr lang="en-US" sz="1200" dirty="0"/>
+              <a:t>object detection using Storm</a:t>
+            </a:r>
+          </a:p>
+        </p:txBody>
+      </p:sp>
+      <p:sp>
+        <p:nvSpPr>
+          <p:cNvPr id="52" name="TextBox 51"/>
+          <p:cNvSpPr txBox="1"/>
+          <p:nvPr/>
+        </p:nvSpPr>
+        <p:spPr>
+          <a:xfrm>
+            <a:off x="7318655" y="1380426"/>
+            <a:ext cx="1786323" cy="461665"/>
+          </a:xfrm>
+          <a:prstGeom prst="rect">
+            <a:avLst/>
+          </a:prstGeom>
+          <a:noFill/>
+        </p:spPr>
+        <p:txBody>
+          <a:bodyPr wrap="none" rtlCol="0">
+            <a:spAutoFit/>
+          </a:bodyPr>
+          <a:lstStyle/>
+          <a:p>
+            <a:r>
+              <a:rPr lang="en-US" sz="1200" dirty="0"/>
+              <a:t>Storing Model and Storm </a:t>
+            </a:r>
+          </a:p>
+          <a:p>
+            <a:r>
+              <a:rPr lang="en-US" sz="1200" dirty="0"/>
+              <a:t>output on MongoDB</a:t>
+            </a:r>
+          </a:p>
+        </p:txBody>
+      </p:sp>
+      <p:sp>
+        <p:nvSpPr>
+          <p:cNvPr id="53" name="TextBox 52"/>
+          <p:cNvSpPr txBox="1"/>
+          <p:nvPr/>
+        </p:nvSpPr>
+        <p:spPr>
+          <a:xfrm>
+            <a:off x="6965833" y="3074863"/>
+            <a:ext cx="2426113" cy="461665"/>
+          </a:xfrm>
+          <a:prstGeom prst="rect">
+            <a:avLst/>
+          </a:prstGeom>
+          <a:noFill/>
+        </p:spPr>
+        <p:txBody>
+          <a:bodyPr wrap="none" rtlCol="0">
+            <a:spAutoFit/>
+          </a:bodyPr>
+          <a:lstStyle/>
+          <a:p>
+            <a:pPr algn="ctr"/>
+            <a:r>
+              <a:rPr lang="en-US" sz="1200" dirty="0"/>
+              <a:t>REST API hosted on Cloud service to</a:t>
+            </a:r>
+          </a:p>
+          <a:p>
+            <a:pPr algn="ctr"/>
+            <a:r>
+              <a:rPr lang="en-US" sz="1200" dirty="0"/>
+              <a:t> provide updates to mobile app</a:t>
+            </a:r>
+          </a:p>
+        </p:txBody>
+      </p:sp>
+      <p:sp>
+        <p:nvSpPr>
+          <p:cNvPr id="54" name="TextBox 53"/>
+          <p:cNvSpPr txBox="1"/>
+          <p:nvPr/>
+        </p:nvSpPr>
+        <p:spPr>
+          <a:xfrm>
+            <a:off x="4524556" y="3810748"/>
+            <a:ext cx="2263184" cy="276999"/>
+          </a:xfrm>
+          <a:prstGeom prst="rect">
+            <a:avLst/>
+          </a:prstGeom>
+          <a:noFill/>
+        </p:spPr>
+        <p:txBody>
+          <a:bodyPr wrap="none" rtlCol="0">
+            <a:spAutoFit/>
+          </a:bodyPr>
+          <a:lstStyle/>
+          <a:p>
+            <a:r>
+              <a:rPr lang="en-US" sz="1200" dirty="0"/>
+              <a:t>Mobile application displays alerts</a:t>
+            </a:r>
+          </a:p>
+        </p:txBody>
+      </p:sp>
       <p:pic>
         <p:nvPicPr>
-          <p:cNvPr id="44" name="Picture 43"/>
+          <p:cNvPr id="56" name="Picture 55"/>
           <p:cNvPicPr>
             <a:picLocks noChangeAspect="1"/>
           </p:cNvPicPr>
@@ -3761,8 +3968,32 @@
         </p:blipFill>
         <p:spPr>
           <a:xfrm>
-            <a:off x="6658689" y="43724"/>
-            <a:ext cx="868271" cy="783562"/>
+            <a:off x="5229428" y="4046928"/>
+            <a:ext cx="853440" cy="853440"/>
+          </a:xfrm>
+          <a:prstGeom prst="rect">
+            <a:avLst/>
+          </a:prstGeom>
+        </p:spPr>
+      </p:pic>
+      <p:pic>
+        <p:nvPicPr>
+          <p:cNvPr id="22" name="Picture 21"/>
+          <p:cNvPicPr>
+            <a:picLocks noChangeAspect="1"/>
+          </p:cNvPicPr>
+          <p:nvPr/>
+        </p:nvPicPr>
+        <p:blipFill>
+          <a:blip r:embed="rId10"/>
+          <a:stretch>
+            <a:fillRect/>
+          </a:stretch>
+        </p:blipFill>
+        <p:spPr>
+          <a:xfrm>
+            <a:off x="7799852" y="1782272"/>
+            <a:ext cx="766236" cy="528439"/>
           </a:xfrm>
           <a:prstGeom prst="rect">
             <a:avLst/>
@@ -3771,23 +4002,21 @@
       </p:pic>
       <p:cxnSp>
         <p:nvCxnSpPr>
-          <p:cNvPr id="46" name="Elbow Connector 45"/>
+          <p:cNvPr id="26" name="Elbow Connector 25"/>
           <p:cNvCxnSpPr>
-            <a:stCxn id="11" idx="0"/>
-            <a:endCxn id="44" idx="1"/>
+            <a:stCxn id="12" idx="3"/>
           </p:cNvCxnSpPr>
           <p:nvPr/>
         </p:nvCxnSpPr>
         <p:spPr>
-          <a:xfrm rot="5400000" flipH="1" flipV="1">
-            <a:off x="5904856" y="158295"/>
-            <a:ext cx="476622" cy="1031043"/>
-          </a:xfrm>
-          <a:prstGeom prst="bentConnector2">
-            <a:avLst/>
-          </a:prstGeom>
-          <a:ln w="25400">
-            <a:headEnd type="triangle"/>
+          <a:xfrm flipV="1">
+            <a:off x="6507588" y="2080616"/>
+            <a:ext cx="1163212" cy="721021"/>
+          </a:xfrm>
+          <a:prstGeom prst="bentConnector3">
+            <a:avLst/>
+          </a:prstGeom>
+          <a:ln w="28575">
             <a:tailEnd type="triangle"/>
           </a:ln>
         </p:spPr>
@@ -3806,269 +4035,6 @@
           </a:fontRef>
         </p:style>
       </p:cxnSp>
-      <p:sp>
-        <p:nvSpPr>
-          <p:cNvPr id="47" name="TextBox 46"/>
-          <p:cNvSpPr txBox="1"/>
-          <p:nvPr/>
-        </p:nvSpPr>
-        <p:spPr>
-          <a:xfrm>
-            <a:off x="270058" y="974753"/>
-            <a:ext cx="1363900" cy="276999"/>
-          </a:xfrm>
-          <a:prstGeom prst="rect">
-            <a:avLst/>
-          </a:prstGeom>
-          <a:noFill/>
-        </p:spPr>
-        <p:txBody>
-          <a:bodyPr wrap="none" rtlCol="0">
-            <a:spAutoFit/>
-          </a:bodyPr>
-          <a:lstStyle/>
-          <a:p>
-            <a:r>
-              <a:rPr lang="en-US" sz="1200" dirty="0"/>
-              <a:t>Input video stream</a:t>
-            </a:r>
-          </a:p>
-        </p:txBody>
-      </p:sp>
-      <p:sp>
-        <p:nvSpPr>
-          <p:cNvPr id="48" name="TextBox 47"/>
-          <p:cNvSpPr txBox="1"/>
-          <p:nvPr/>
-        </p:nvSpPr>
-        <p:spPr>
-          <a:xfrm>
-            <a:off x="1863339" y="1396878"/>
-            <a:ext cx="1556452" cy="276999"/>
-          </a:xfrm>
-          <a:prstGeom prst="rect">
-            <a:avLst/>
-          </a:prstGeom>
-          <a:noFill/>
-        </p:spPr>
-        <p:txBody>
-          <a:bodyPr wrap="none" rtlCol="0">
-            <a:spAutoFit/>
-          </a:bodyPr>
-          <a:lstStyle/>
-          <a:p>
-            <a:r>
-              <a:rPr lang="en-US" sz="1200" dirty="0"/>
-              <a:t>Kafka Message Broker</a:t>
-            </a:r>
-          </a:p>
-        </p:txBody>
-      </p:sp>
-      <p:sp>
-        <p:nvSpPr>
-          <p:cNvPr id="49" name="TextBox 48"/>
-          <p:cNvSpPr txBox="1"/>
-          <p:nvPr/>
-        </p:nvSpPr>
-        <p:spPr>
-          <a:xfrm>
-            <a:off x="4672768" y="421642"/>
-            <a:ext cx="1909754" cy="461665"/>
-          </a:xfrm>
-          <a:prstGeom prst="rect">
-            <a:avLst/>
-          </a:prstGeom>
-          <a:noFill/>
-        </p:spPr>
-        <p:txBody>
-          <a:bodyPr wrap="none" rtlCol="0">
-            <a:spAutoFit/>
-          </a:bodyPr>
-          <a:lstStyle/>
-          <a:p>
-            <a:pPr algn="ctr"/>
-            <a:r>
-              <a:rPr lang="en-US" sz="1200" dirty="0"/>
-              <a:t>Generation of training data </a:t>
-            </a:r>
-          </a:p>
-          <a:p>
-            <a:pPr algn="ctr"/>
-            <a:r>
-              <a:rPr lang="en-US" sz="1200" dirty="0"/>
-              <a:t>using Apache Spark</a:t>
-            </a:r>
-          </a:p>
-        </p:txBody>
-      </p:sp>
-      <p:sp>
-        <p:nvSpPr>
-          <p:cNvPr id="51" name="TextBox 50"/>
-          <p:cNvSpPr txBox="1"/>
-          <p:nvPr/>
-        </p:nvSpPr>
-        <p:spPr>
-          <a:xfrm>
-            <a:off x="4500072" y="1829443"/>
-            <a:ext cx="1987275" cy="461665"/>
-          </a:xfrm>
-          <a:prstGeom prst="rect">
-            <a:avLst/>
-          </a:prstGeom>
-          <a:noFill/>
-        </p:spPr>
-        <p:txBody>
-          <a:bodyPr wrap="none" rtlCol="0">
-            <a:spAutoFit/>
-          </a:bodyPr>
-          <a:lstStyle/>
-          <a:p>
-            <a:pPr algn="ctr"/>
-            <a:r>
-              <a:rPr lang="en-US" sz="1200" dirty="0"/>
-              <a:t>Person identification and </a:t>
-            </a:r>
-          </a:p>
-          <a:p>
-            <a:pPr algn="ctr"/>
-            <a:r>
-              <a:rPr lang="en-US" sz="1200" dirty="0"/>
-              <a:t>object detection using Storm</a:t>
-            </a:r>
-          </a:p>
-        </p:txBody>
-      </p:sp>
-      <p:sp>
-        <p:nvSpPr>
-          <p:cNvPr id="52" name="TextBox 51"/>
-          <p:cNvSpPr txBox="1"/>
-          <p:nvPr/>
-        </p:nvSpPr>
-        <p:spPr>
-          <a:xfrm>
-            <a:off x="7318655" y="1380426"/>
-            <a:ext cx="1720471" cy="461665"/>
-          </a:xfrm>
-          <a:prstGeom prst="rect">
-            <a:avLst/>
-          </a:prstGeom>
-          <a:noFill/>
-        </p:spPr>
-        <p:txBody>
-          <a:bodyPr wrap="none" rtlCol="0">
-            <a:spAutoFit/>
-          </a:bodyPr>
-          <a:lstStyle/>
-          <a:p>
-            <a:r>
-              <a:rPr lang="en-US" sz="1200" dirty="0"/>
-              <a:t>Storing training data and</a:t>
-            </a:r>
-          </a:p>
-          <a:p>
-            <a:r>
-              <a:rPr lang="en-US" sz="1200" dirty="0"/>
-              <a:t> Storm output on HDFS</a:t>
-            </a:r>
-          </a:p>
-        </p:txBody>
-      </p:sp>
-      <p:sp>
-        <p:nvSpPr>
-          <p:cNvPr id="53" name="TextBox 52"/>
-          <p:cNvSpPr txBox="1"/>
-          <p:nvPr/>
-        </p:nvSpPr>
-        <p:spPr>
-          <a:xfrm>
-            <a:off x="6965833" y="3074863"/>
-            <a:ext cx="2426113" cy="461665"/>
-          </a:xfrm>
-          <a:prstGeom prst="rect">
-            <a:avLst/>
-          </a:prstGeom>
-          <a:noFill/>
-        </p:spPr>
-        <p:txBody>
-          <a:bodyPr wrap="none" rtlCol="0">
-            <a:spAutoFit/>
-          </a:bodyPr>
-          <a:lstStyle/>
-          <a:p>
-            <a:pPr algn="ctr"/>
-            <a:r>
-              <a:rPr lang="en-US" sz="1200" dirty="0"/>
-              <a:t>REST API hosted on Cloud service to</a:t>
-            </a:r>
-          </a:p>
-          <a:p>
-            <a:pPr algn="ctr"/>
-            <a:r>
-              <a:rPr lang="en-US" sz="1200" dirty="0"/>
-              <a:t> provide updates to mobile app</a:t>
-            </a:r>
-          </a:p>
-        </p:txBody>
-      </p:sp>
-      <p:sp>
-        <p:nvSpPr>
-          <p:cNvPr id="54" name="TextBox 53"/>
-          <p:cNvSpPr txBox="1"/>
-          <p:nvPr/>
-        </p:nvSpPr>
-        <p:spPr>
-          <a:xfrm>
-            <a:off x="4524556" y="3810748"/>
-            <a:ext cx="2263184" cy="276999"/>
-          </a:xfrm>
-          <a:prstGeom prst="rect">
-            <a:avLst/>
-          </a:prstGeom>
-          <a:noFill/>
-        </p:spPr>
-        <p:txBody>
-          <a:bodyPr wrap="none" rtlCol="0">
-            <a:spAutoFit/>
-          </a:bodyPr>
-          <a:lstStyle/>
-          <a:p>
-            <a:r>
-              <a:rPr lang="en-US" sz="1200" dirty="0"/>
-              <a:t>Mobile application displays alerts</a:t>
-            </a:r>
-          </a:p>
-        </p:txBody>
-      </p:sp>
-      <p:pic>
-        <p:nvPicPr>
-          <p:cNvPr id="56" name="Picture 55"/>
-          <p:cNvPicPr>
-            <a:picLocks noChangeAspect="1"/>
-          </p:cNvPicPr>
-          <p:nvPr/>
-        </p:nvPicPr>
-        <p:blipFill>
-          <a:blip r:embed="rId10">
-            <a:extLst>
-              <a:ext uri="{28A0092B-C50C-407E-A947-70E740481C1C}">
-                <a14:useLocalDpi xmlns:a14="http://schemas.microsoft.com/office/drawing/2010/main" val="0"/>
-              </a:ext>
-            </a:extLst>
-          </a:blip>
-          <a:stretch>
-            <a:fillRect/>
-          </a:stretch>
-        </p:blipFill>
-        <p:spPr>
-          <a:xfrm>
-            <a:off x="5229428" y="4046928"/>
-            <a:ext cx="853440" cy="853440"/>
-          </a:xfrm>
-          <a:prstGeom prst="rect">
-            <a:avLst/>
-          </a:prstGeom>
-        </p:spPr>
-      </p:pic>
     </p:spTree>
     <p:extLst>
       <p:ext uri="{BB962C8B-B14F-4D97-AF65-F5344CB8AC3E}">
@@ -4147,8 +4113,8 @@
         </p:nvSpPr>
         <p:spPr>
           <a:xfrm>
-            <a:off x="2103120" y="891540"/>
-            <a:ext cx="1691640" cy="612648"/>
+            <a:off x="1985010" y="891540"/>
+            <a:ext cx="1809750" cy="612648"/>
           </a:xfrm>
           <a:prstGeom prst="flowChartAlternateProcess">
             <a:avLst/>
@@ -4177,7 +4143,7 @@
             <a:pPr algn="ctr"/>
             <a:r>
               <a:rPr lang="en-US" dirty="0"/>
-              <a:t>Record video &amp; send to Kafka</a:t>
+              <a:t>Record video &amp; Extract features</a:t>
             </a:r>
           </a:p>
         </p:txBody>
@@ -4190,8 +4156,8 @@
         </p:nvSpPr>
         <p:spPr>
           <a:xfrm>
-            <a:off x="4964430" y="891540"/>
-            <a:ext cx="1596390" cy="612648"/>
+            <a:off x="4530090" y="891540"/>
+            <a:ext cx="1985962" cy="612648"/>
           </a:xfrm>
           <a:prstGeom prst="flowChartAlternateProcess">
             <a:avLst/>
@@ -4220,7 +4186,7 @@
             <a:pPr algn="ctr"/>
             <a:r>
               <a:rPr lang="en-US" dirty="0"/>
-              <a:t>Transfer video to Spark</a:t>
+              <a:t>Transfer Features to Spark via Kafka</a:t>
             </a:r>
           </a:p>
         </p:txBody>
@@ -4233,8 +4199,8 @@
         </p:nvSpPr>
         <p:spPr>
           <a:xfrm>
-            <a:off x="10104120" y="898398"/>
-            <a:ext cx="1623060" cy="612648"/>
+            <a:off x="10016490" y="898398"/>
+            <a:ext cx="1682174" cy="612648"/>
           </a:xfrm>
           <a:prstGeom prst="flowChartAlternateProcess">
             <a:avLst/>
@@ -4262,8 +4228,8 @@
           <a:p>
             <a:pPr algn="ctr"/>
             <a:r>
-              <a:rPr lang="en-US" dirty="0"/>
-              <a:t>Extract face region</a:t>
+              <a:rPr lang="en-US" sz="1600" dirty="0"/>
+              <a:t>Generate Decision Tree Model </a:t>
             </a:r>
           </a:p>
         </p:txBody>
@@ -4306,7 +4272,7 @@
             <a:pPr algn="ctr"/>
             <a:r>
               <a:rPr lang="en-US" dirty="0"/>
-              <a:t>Store the extracted face in HDFS</a:t>
+              <a:t>Store the extracted face in MongoDB</a:t>
             </a:r>
           </a:p>
         </p:txBody>
@@ -4366,7 +4332,7 @@
         <p:spPr>
           <a:xfrm flipV="1">
             <a:off x="1162050" y="1197864"/>
-            <a:ext cx="941070" cy="13716"/>
+            <a:ext cx="822960" cy="13716"/>
           </a:xfrm>
           <a:prstGeom prst="straightConnector1">
             <a:avLst/>
@@ -4402,7 +4368,7 @@
         <p:spPr>
           <a:xfrm>
             <a:off x="3794760" y="1197864"/>
-            <a:ext cx="1169670" cy="0"/>
+            <a:ext cx="735330" cy="0"/>
           </a:xfrm>
           <a:prstGeom prst="straightConnector1">
             <a:avLst/>
@@ -4437,8 +4403,8 @@
         </p:nvCxnSpPr>
         <p:spPr>
           <a:xfrm>
-            <a:off x="6560820" y="1197864"/>
-            <a:ext cx="571500" cy="13716"/>
+            <a:off x="6516052" y="1197864"/>
+            <a:ext cx="616268" cy="13716"/>
           </a:xfrm>
           <a:prstGeom prst="straightConnector1">
             <a:avLst/>
@@ -4474,7 +4440,7 @@
         <p:spPr>
           <a:xfrm flipV="1">
             <a:off x="9281160" y="1204722"/>
-            <a:ext cx="822960" cy="6858"/>
+            <a:ext cx="735330" cy="6858"/>
           </a:xfrm>
           <a:prstGeom prst="straightConnector1">
             <a:avLst/>
@@ -4509,8 +4475,8 @@
         </p:nvCxnSpPr>
         <p:spPr>
           <a:xfrm>
-            <a:off x="10915650" y="1511046"/>
-            <a:ext cx="0" cy="1575054"/>
+            <a:off x="10857577" y="1511046"/>
+            <a:ext cx="58073" cy="1575054"/>
           </a:xfrm>
           <a:prstGeom prst="straightConnector1">
             <a:avLst/>
@@ -4898,8 +4864,8 @@
           <a:p>
             <a:pPr algn="ctr"/>
             <a:r>
-              <a:rPr lang="en-US" dirty="0"/>
-              <a:t>Record video &amp; send to Kafka</a:t>
+              <a:rPr lang="en-US" sz="1400" dirty="0"/>
+              <a:t>Record video &amp; send respective features to Kafka</a:t>
             </a:r>
           </a:p>
         </p:txBody>
@@ -4941,8 +4907,8 @@
           <a:p>
             <a:pPr algn="ctr"/>
             <a:r>
-              <a:rPr lang="en-US" dirty="0"/>
-              <a:t>Transfer video to Storm</a:t>
+              <a:rPr lang="en-US" sz="1400" dirty="0"/>
+              <a:t>Transfer Features to Storm</a:t>
             </a:r>
           </a:p>
         </p:txBody>
@@ -4985,7 +4951,7 @@
             <a:pPr algn="ctr"/>
             <a:r>
               <a:rPr lang="en-US" dirty="0"/>
-              <a:t>Store the extracted face in HDFS</a:t>
+              <a:t>Store the extracted face in MongoDB</a:t>
             </a:r>
           </a:p>
         </p:txBody>
@@ -5282,7 +5248,7 @@
             <a:pPr algn="ctr"/>
             <a:r>
               <a:rPr lang="en-US" dirty="0"/>
-              <a:t>Get training dataset from HDFS</a:t>
+              <a:t>Get training model from MongoDB</a:t>
             </a:r>
           </a:p>
         </p:txBody>
@@ -5791,7 +5757,7 @@
             <a:pPr algn="ctr"/>
             <a:r>
               <a:rPr lang="en-US" dirty="0"/>
-              <a:t>REST API receives the new message from HDFS</a:t>
+              <a:t>REST API receives the new message from MongoDB</a:t>
             </a:r>
           </a:p>
         </p:txBody>
@@ -6208,7 +6174,7 @@
         </p:nvSpPr>
         <p:spPr>
           <a:xfrm>
-            <a:off x="422030" y="43724"/>
+            <a:off x="422030" y="-3410"/>
             <a:ext cx="11648049" cy="3716907"/>
           </a:xfrm>
           <a:prstGeom prst="rect">
@@ -6311,8 +6277,8 @@
           <a:p>
             <a:pPr algn="ctr"/>
             <a:r>
-              <a:rPr lang="en-US" dirty="0"/>
-              <a:t>HDFS</a:t>
+              <a:rPr lang="en-US" sz="1600" dirty="0"/>
+              <a:t>MongoDB</a:t>
             </a:r>
           </a:p>
         </p:txBody>
